--- a/Docs/EPROM-contents.pptx
+++ b/Docs/EPROM-contents.pptx
@@ -104,6 +104,11 @@
       </a:defRPr>
     </a:lvl9pPr>
   </p:defaultTextStyle>
+  <p:extLst>
+    <p:ext uri="{EFAFB233-063F-42B5-8137-9DF3F51BA10A}">
+      <p15:sldGuideLst xmlns:p15="http://schemas.microsoft.com/office/powerpoint/2012/main"/>
+    </p:ext>
+  </p:extLst>
 </p:presentation>
 </file>
 
@@ -5366,6 +5371,11 @@
           <a:solidFill>
             <a:schemeClr val="bg2"/>
           </a:solidFill>
+          <a:ln>
+            <a:solidFill>
+              <a:schemeClr val="tx1"/>
+            </a:solidFill>
+          </a:ln>
         </p:spPr>
         <p:style>
           <a:lnRef idx="2">
@@ -5415,6 +5425,11 @@
           <a:solidFill>
             <a:schemeClr val="bg2"/>
           </a:solidFill>
+          <a:ln>
+            <a:solidFill>
+              <a:schemeClr val="tx1"/>
+            </a:solidFill>
+          </a:ln>
         </p:spPr>
         <p:style>
           <a:lnRef idx="2">
@@ -5464,6 +5479,11 @@
           <a:solidFill>
             <a:schemeClr val="bg2"/>
           </a:solidFill>
+          <a:ln>
+            <a:solidFill>
+              <a:schemeClr val="tx1"/>
+            </a:solidFill>
+          </a:ln>
         </p:spPr>
         <p:style>
           <a:lnRef idx="2">
@@ -5513,6 +5533,11 @@
           <a:solidFill>
             <a:schemeClr val="bg2"/>
           </a:solidFill>
+          <a:ln>
+            <a:solidFill>
+              <a:schemeClr val="tx1"/>
+            </a:solidFill>
+          </a:ln>
         </p:spPr>
         <p:style>
           <a:lnRef idx="2">
@@ -5562,6 +5587,11 @@
           <a:solidFill>
             <a:schemeClr val="bg2"/>
           </a:solidFill>
+          <a:ln>
+            <a:solidFill>
+              <a:schemeClr val="tx1"/>
+            </a:solidFill>
+          </a:ln>
         </p:spPr>
         <p:style>
           <a:lnRef idx="2">
@@ -5611,6 +5641,11 @@
           <a:solidFill>
             <a:schemeClr val="bg2"/>
           </a:solidFill>
+          <a:ln>
+            <a:solidFill>
+              <a:schemeClr val="tx1"/>
+            </a:solidFill>
+          </a:ln>
         </p:spPr>
         <p:style>
           <a:lnRef idx="2">
@@ -5660,6 +5695,11 @@
           <a:solidFill>
             <a:schemeClr val="bg2"/>
           </a:solidFill>
+          <a:ln>
+            <a:solidFill>
+              <a:schemeClr val="tx1"/>
+            </a:solidFill>
+          </a:ln>
         </p:spPr>
         <p:style>
           <a:lnRef idx="2">
@@ -5709,6 +5749,11 @@
           <a:solidFill>
             <a:schemeClr val="bg2"/>
           </a:solidFill>
+          <a:ln>
+            <a:solidFill>
+              <a:schemeClr val="tx1"/>
+            </a:solidFill>
+          </a:ln>
         </p:spPr>
         <p:style>
           <a:lnRef idx="2">
@@ -5758,6 +5803,11 @@
           <a:solidFill>
             <a:schemeClr val="bg2"/>
           </a:solidFill>
+          <a:ln>
+            <a:solidFill>
+              <a:schemeClr val="tx1"/>
+            </a:solidFill>
+          </a:ln>
         </p:spPr>
         <p:style>
           <a:lnRef idx="2">
@@ -5807,6 +5857,11 @@
           <a:solidFill>
             <a:schemeClr val="bg2"/>
           </a:solidFill>
+          <a:ln>
+            <a:solidFill>
+              <a:schemeClr val="tx1"/>
+            </a:solidFill>
+          </a:ln>
         </p:spPr>
         <p:style>
           <a:lnRef idx="2">
@@ -5856,6 +5911,11 @@
           <a:solidFill>
             <a:schemeClr val="bg2"/>
           </a:solidFill>
+          <a:ln>
+            <a:solidFill>
+              <a:schemeClr val="tx1"/>
+            </a:solidFill>
+          </a:ln>
         </p:spPr>
         <p:style>
           <a:lnRef idx="2">
@@ -5905,6 +5965,11 @@
           <a:solidFill>
             <a:schemeClr val="bg2"/>
           </a:solidFill>
+          <a:ln>
+            <a:solidFill>
+              <a:schemeClr val="tx1"/>
+            </a:solidFill>
+          </a:ln>
         </p:spPr>
         <p:style>
           <a:lnRef idx="2">
@@ -5954,6 +6019,11 @@
           <a:solidFill>
             <a:schemeClr val="bg2"/>
           </a:solidFill>
+          <a:ln>
+            <a:solidFill>
+              <a:schemeClr val="tx1"/>
+            </a:solidFill>
+          </a:ln>
         </p:spPr>
         <p:style>
           <a:lnRef idx="2">
@@ -6003,6 +6073,11 @@
           <a:solidFill>
             <a:schemeClr val="bg2"/>
           </a:solidFill>
+          <a:ln>
+            <a:solidFill>
+              <a:schemeClr val="tx1"/>
+            </a:solidFill>
+          </a:ln>
         </p:spPr>
         <p:style>
           <a:lnRef idx="2">
@@ -6052,6 +6127,11 @@
           <a:solidFill>
             <a:schemeClr val="bg2"/>
           </a:solidFill>
+          <a:ln>
+            <a:solidFill>
+              <a:schemeClr val="tx1"/>
+            </a:solidFill>
+          </a:ln>
         </p:spPr>
         <p:style>
           <a:lnRef idx="2">
@@ -6101,6 +6181,11 @@
           <a:solidFill>
             <a:schemeClr val="bg2"/>
           </a:solidFill>
+          <a:ln>
+            <a:solidFill>
+              <a:schemeClr val="tx1"/>
+            </a:solidFill>
+          </a:ln>
         </p:spPr>
         <p:style>
           <a:lnRef idx="2">
@@ -6150,6 +6235,11 @@
           <a:solidFill>
             <a:schemeClr val="bg2"/>
           </a:solidFill>
+          <a:ln>
+            <a:solidFill>
+              <a:schemeClr val="tx1"/>
+            </a:solidFill>
+          </a:ln>
         </p:spPr>
         <p:style>
           <a:lnRef idx="2">
@@ -6199,6 +6289,11 @@
           <a:solidFill>
             <a:schemeClr val="bg2"/>
           </a:solidFill>
+          <a:ln>
+            <a:solidFill>
+              <a:schemeClr val="tx1"/>
+            </a:solidFill>
+          </a:ln>
         </p:spPr>
         <p:style>
           <a:lnRef idx="2">
@@ -6248,6 +6343,11 @@
           <a:solidFill>
             <a:schemeClr val="bg2"/>
           </a:solidFill>
+          <a:ln>
+            <a:solidFill>
+              <a:schemeClr val="tx1"/>
+            </a:solidFill>
+          </a:ln>
         </p:spPr>
         <p:style>
           <a:lnRef idx="2">
@@ -6297,6 +6397,11 @@
           <a:solidFill>
             <a:schemeClr val="bg2"/>
           </a:solidFill>
+          <a:ln>
+            <a:solidFill>
+              <a:schemeClr val="tx1"/>
+            </a:solidFill>
+          </a:ln>
         </p:spPr>
         <p:style>
           <a:lnRef idx="2">

--- a/Docs/EPROM-contents.pptx
+++ b/Docs/EPROM-contents.pptx
@@ -3458,12 +3458,12 @@
           <a:p>
             <a:pPr algn="ctr"/>
             <a:r>
-              <a:rPr lang="en-GB" sz="1200" dirty="0">
+              <a:rPr lang="en-GB" dirty="0">
                 <a:solidFill>
                   <a:schemeClr val="tx1"/>
                 </a:solidFill>
               </a:rPr>
-              <a:t>16-bit application processor: vCPU</a:t>
+              <a:t>16-bit vCPU</a:t>
             </a:r>
           </a:p>
         </p:txBody>
@@ -3519,23 +3519,23 @@
           <a:p>
             <a:pPr algn="ctr"/>
             <a:r>
-              <a:rPr lang="en-GB" sz="1200" dirty="0">
+              <a:rPr lang="en-GB" dirty="0">
                 <a:solidFill>
                   <a:schemeClr val="tx1"/>
                 </a:solidFill>
               </a:rPr>
-              <a:t>VGA video</a:t>
+              <a:t>VGA</a:t>
             </a:r>
           </a:p>
           <a:p>
             <a:pPr algn="ctr"/>
             <a:r>
-              <a:rPr lang="en-GB" sz="1200" dirty="0">
+              <a:rPr lang="en-GB" dirty="0">
                 <a:solidFill>
                   <a:schemeClr val="tx1"/>
                 </a:solidFill>
               </a:rPr>
-              <a:t>driver</a:t>
+              <a:t>video card</a:t>
             </a:r>
           </a:p>
         </p:txBody>
@@ -3591,23 +3591,12 @@
           <a:p>
             <a:pPr algn="ctr"/>
             <a:r>
-              <a:rPr lang="en-GB" sz="1200" dirty="0">
+              <a:rPr lang="en-GB" dirty="0">
                 <a:solidFill>
                   <a:schemeClr val="tx1"/>
                 </a:solidFill>
               </a:rPr>
-              <a:t>Game controller</a:t>
-            </a:r>
-          </a:p>
-          <a:p>
-            <a:pPr algn="ctr"/>
-            <a:r>
-              <a:rPr lang="en-GB" sz="1200" dirty="0">
-                <a:solidFill>
-                  <a:schemeClr val="tx1"/>
-                </a:solidFill>
-              </a:rPr>
-              <a:t>driver</a:t>
+              <a:t>Input controller</a:t>
             </a:r>
           </a:p>
         </p:txBody>
@@ -3663,12 +3652,12 @@
           <a:p>
             <a:pPr algn="ctr"/>
             <a:r>
-              <a:rPr lang="en-GB" sz="1200" dirty="0">
+              <a:rPr lang="en-GB" dirty="0">
                 <a:solidFill>
                   <a:schemeClr val="tx1"/>
                 </a:solidFill>
               </a:rPr>
-              <a:t>8-bit application processor: v6502</a:t>
+              <a:t>8-bit v6502</a:t>
             </a:r>
           </a:p>
         </p:txBody>
@@ -3782,23 +3771,12 @@
           <a:p>
             <a:pPr algn="ctr"/>
             <a:r>
-              <a:rPr lang="en-GB" sz="1200">
+              <a:rPr lang="en-GB" dirty="0">
                 <a:solidFill>
                   <a:schemeClr val="tx1"/>
                 </a:solidFill>
               </a:rPr>
-              <a:t>Entropy</a:t>
-            </a:r>
-          </a:p>
-          <a:p>
-            <a:pPr algn="ctr"/>
-            <a:r>
-              <a:rPr lang="en-GB" sz="1200">
-                <a:solidFill>
-                  <a:schemeClr val="tx1"/>
-                </a:solidFill>
-              </a:rPr>
-              <a:t>mixer</a:t>
+              <a:t>Reset button</a:t>
             </a:r>
           </a:p>
         </p:txBody>
@@ -3854,28 +3832,12 @@
           <a:p>
             <a:pPr algn="ctr"/>
             <a:r>
-              <a:rPr lang="en-GB" sz="1200" dirty="0" err="1">
+              <a:rPr lang="en-GB" dirty="0">
                 <a:solidFill>
                   <a:schemeClr val="tx1"/>
                 </a:solidFill>
               </a:rPr>
-              <a:t>Blinkenlight</a:t>
-            </a:r>
-            <a:endParaRPr lang="en-GB" sz="1200" dirty="0">
-              <a:solidFill>
-                <a:schemeClr val="tx1"/>
-              </a:solidFill>
-            </a:endParaRPr>
-          </a:p>
-          <a:p>
-            <a:pPr algn="ctr"/>
-            <a:r>
-              <a:rPr lang="en-GB" sz="1200" dirty="0">
-                <a:solidFill>
-                  <a:schemeClr val="tx1"/>
-                </a:solidFill>
-              </a:rPr>
-              <a:t>sequencer</a:t>
+              <a:t>LED runner</a:t>
             </a:r>
           </a:p>
         </p:txBody>
@@ -3931,23 +3893,12 @@
           <a:p>
             <a:pPr algn="ctr"/>
             <a:r>
-              <a:rPr lang="en-GB" sz="1200">
+              <a:rPr lang="en-GB" dirty="0">
                 <a:solidFill>
                   <a:schemeClr val="tx1"/>
                 </a:solidFill>
               </a:rPr>
-              <a:t>4 channel</a:t>
-            </a:r>
-          </a:p>
-          <a:p>
-            <a:pPr algn="ctr"/>
-            <a:r>
-              <a:rPr lang="en-GB" sz="1200">
-                <a:solidFill>
-                  <a:schemeClr val="tx1"/>
-                </a:solidFill>
-              </a:rPr>
-              <a:t>sound driver</a:t>
+              <a:t>4 channel synthesizer</a:t>
             </a:r>
           </a:p>
         </p:txBody>
@@ -4003,23 +3954,12 @@
           <a:p>
             <a:pPr algn="ctr"/>
             <a:r>
-              <a:rPr lang="en-GB" sz="1200" dirty="0">
+              <a:rPr lang="en-GB" dirty="0">
                 <a:solidFill>
                   <a:schemeClr val="tx1"/>
                 </a:solidFill>
               </a:rPr>
-              <a:t>Reset</a:t>
-            </a:r>
-          </a:p>
-          <a:p>
-            <a:pPr algn="ctr"/>
-            <a:r>
-              <a:rPr lang="en-GB" sz="1200" dirty="0">
-                <a:solidFill>
-                  <a:schemeClr val="tx1"/>
-                </a:solidFill>
-              </a:rPr>
-              <a:t>interrupt</a:t>
+              <a:t>Entropy mixer</a:t>
             </a:r>
           </a:p>
         </p:txBody>
@@ -4075,12 +4015,12 @@
           <a:p>
             <a:pPr algn="ctr"/>
             <a:r>
-              <a:rPr lang="en-GB" sz="1200" dirty="0">
+              <a:rPr lang="en-GB" dirty="0">
                 <a:solidFill>
                   <a:schemeClr val="tx1"/>
                 </a:solidFill>
               </a:rPr>
-              <a:t>Cold start sequence</a:t>
+              <a:t>Cold start</a:t>
             </a:r>
           </a:p>
         </p:txBody>
@@ -4136,12 +4076,12 @@
           <a:p>
             <a:pPr algn="ctr"/>
             <a:r>
-              <a:rPr lang="en-GB" sz="1200">
+              <a:rPr lang="en-GB" dirty="0">
                 <a:solidFill>
                   <a:schemeClr val="tx1"/>
                 </a:solidFill>
               </a:rPr>
-              <a:t>RAM expander and SPI driver</a:t>
+              <a:t>SPI driver</a:t>
             </a:r>
           </a:p>
         </p:txBody>
@@ -4197,12 +4137,12 @@
           <a:p>
             <a:pPr algn="ctr"/>
             <a:r>
-              <a:rPr lang="en-GB" sz="1200" dirty="0">
+              <a:rPr lang="en-GB" dirty="0">
                 <a:solidFill>
                   <a:schemeClr val="tx1"/>
                 </a:solidFill>
               </a:rPr>
-              <a:t>5x8 bitmap font</a:t>
+              <a:t>Character generator</a:t>
             </a:r>
           </a:p>
         </p:txBody>
@@ -4258,12 +4198,12 @@
           <a:p>
             <a:pPr algn="ctr"/>
             <a:r>
-              <a:rPr lang="en-GB" sz="1200" dirty="0">
+              <a:rPr lang="en-GB" dirty="0">
                 <a:solidFill>
                   <a:schemeClr val="tx1"/>
                 </a:solidFill>
               </a:rPr>
-              <a:t>ROM acceleration (memory, sprites)</a:t>
+              <a:t>Accelerators</a:t>
             </a:r>
           </a:p>
         </p:txBody>
@@ -6479,8 +6419,8 @@
         </p:nvSpPr>
         <p:spPr>
           <a:xfrm>
-            <a:off x="2155652" y="5196353"/>
-            <a:ext cx="2631554" cy="954107"/>
+            <a:off x="1983426" y="5128653"/>
+            <a:ext cx="2987100" cy="1077218"/>
           </a:xfrm>
           <a:prstGeom prst="rect">
             <a:avLst/>
@@ -6495,7 +6435,7 @@
           <a:p>
             <a:pPr algn="ctr"/>
             <a:r>
-              <a:rPr lang="nl-NL" sz="2800" dirty="0">
+              <a:rPr lang="nl-NL" sz="3200" dirty="0">
                 <a:solidFill>
                   <a:schemeClr val="bg1"/>
                 </a:solidFill>
@@ -6506,7 +6446,7 @@
           <a:p>
             <a:pPr algn="ctr"/>
             <a:r>
-              <a:rPr lang="nl-NL" sz="2800" dirty="0">
+              <a:rPr lang="nl-NL" sz="3200" dirty="0">
                 <a:solidFill>
                   <a:schemeClr val="bg1"/>
                 </a:solidFill>
@@ -6530,8 +6470,8 @@
         </p:nvSpPr>
         <p:spPr>
           <a:xfrm>
-            <a:off x="7669344" y="5196353"/>
-            <a:ext cx="1848326" cy="954107"/>
+            <a:off x="7553543" y="5128653"/>
+            <a:ext cx="2091022" cy="1077218"/>
           </a:xfrm>
           <a:prstGeom prst="rect">
             <a:avLst/>
@@ -6546,7 +6486,7 @@
           <a:p>
             <a:pPr algn="ctr"/>
             <a:r>
-              <a:rPr lang="nl-NL" sz="2800" dirty="0">
+              <a:rPr lang="nl-NL" sz="3200" dirty="0">
                 <a:solidFill>
                   <a:schemeClr val="bg1"/>
                 </a:solidFill>
@@ -6557,7 +6497,7 @@
           <a:p>
             <a:pPr algn="ctr"/>
             <a:r>
-              <a:rPr lang="nl-NL" sz="2800" dirty="0">
+              <a:rPr lang="nl-NL" sz="3200" dirty="0">
                 <a:solidFill>
                   <a:schemeClr val="bg1"/>
                 </a:solidFill>
